--- a/Entrega1/Entrega-1_Pizarro_Maria.pptx
+++ b/Entrega1/Entrega-1_Pizarro_Maria.pptx
@@ -10892,7 +10892,7 @@
               <a:buNone/>
             </a:pPr>
             <a:r>
-              <a:rPr lang="es" sz="4900" b="1">
+              <a:rPr lang="es" sz="4900" b="1" dirty="0">
                 <a:solidFill>
                   <a:schemeClr val="lt1"/>
                 </a:solidFill>
@@ -10903,7 +10903,7 @@
               </a:rPr>
               <a:t>Armado de  computadoras</a:t>
             </a:r>
-            <a:endParaRPr sz="4900" b="1">
+            <a:endParaRPr sz="4900" b="1" dirty="0">
               <a:solidFill>
                 <a:schemeClr val="lt1"/>
               </a:solidFill>
@@ -10928,7 +10928,7 @@
               <a:buFont typeface="Arial"/>
               <a:buNone/>
             </a:pPr>
-            <a:endParaRPr sz="5000" b="1">
+            <a:endParaRPr sz="5000" b="1" dirty="0">
               <a:solidFill>
                 <a:schemeClr val="lt1"/>
               </a:solidFill>
@@ -10951,7 +10951,7 @@
               </a:spcAft>
               <a:buNone/>
             </a:pPr>
-            <a:endParaRPr sz="4600" b="1">
+            <a:endParaRPr sz="4600" b="1" dirty="0">
               <a:solidFill>
                 <a:srgbClr val="FFFFFF"/>
               </a:solidFill>
@@ -10996,7 +10996,7 @@
         </p:nvSpPr>
         <p:spPr>
           <a:xfrm>
-            <a:off x="626925" y="617425"/>
+            <a:off x="648190" y="649322"/>
             <a:ext cx="7679100" cy="854100"/>
           </a:xfrm>
           <a:prstGeom prst="rect">
@@ -11057,7 +11057,7 @@
         </p:nvSpPr>
         <p:spPr>
           <a:xfrm>
-            <a:off x="806450" y="1534325"/>
+            <a:off x="827715" y="1566222"/>
             <a:ext cx="3615000" cy="3013500"/>
           </a:xfrm>
           <a:prstGeom prst="rect">
@@ -11106,7 +11106,7 @@
         </p:nvSpPr>
         <p:spPr>
           <a:xfrm>
-            <a:off x="1020650" y="1759275"/>
+            <a:off x="1041915" y="1791172"/>
             <a:ext cx="2994900" cy="2439600"/>
           </a:xfrm>
           <a:prstGeom prst="rect">
@@ -11143,13 +11143,13 @@
           <p:nvPr>
             <p:extLst>
               <p:ext uri="{D42A27DB-BD31-4B8C-83A1-F6EECF244321}">
-                <p14:modId xmlns:p14="http://schemas.microsoft.com/office/powerpoint/2010/main" val="3764361307"/>
+                <p14:modId xmlns:p14="http://schemas.microsoft.com/office/powerpoint/2010/main" val="3285203332"/>
               </p:ext>
             </p:extLst>
           </p:nvPr>
         </p:nvGraphicFramePr>
         <p:xfrm>
-          <a:off x="952500" y="1809750"/>
+          <a:off x="973765" y="1841647"/>
           <a:ext cx="7239000" cy="2011560"/>
         </p:xfrm>
         <a:graphic>
@@ -11229,7 +11229,7 @@
                       </a:pPr>
                       <a:r>
                         <a:rPr lang="es" b="0" u="none" dirty="0">
-                          <a:latin typeface="Open Sans"/>
+                          <a:latin typeface="+mn-lt"/>
                           <a:ea typeface="Open Sans"/>
                           <a:cs typeface="Open Sans"/>
                           <a:sym typeface="Open Sans"/>
@@ -11237,7 +11237,7 @@
                         <a:t>Core i3 7100</a:t>
                       </a:r>
                       <a:endParaRPr b="0" u="none" dirty="0">
-                        <a:latin typeface="Open Sans"/>
+                        <a:latin typeface="+mn-lt"/>
                         <a:ea typeface="Open Sans"/>
                         <a:cs typeface="Open Sans"/>
                         <a:sym typeface="Open Sans"/>
@@ -11302,13 +11302,13 @@
                             <a:srgbClr val="191B2B"/>
                           </a:solidFill>
                           <a:effectLst/>
-                          <a:latin typeface="inherit"/>
+                          <a:latin typeface="+mn-lt"/>
                         </a:rPr>
                         <a:t>Asus H110M-K Micro ATX LGA1151 Motherboard</a:t>
                       </a:r>
                       <a:endParaRPr lang="pt-BR" b="0" u="none" dirty="0">
                         <a:effectLst/>
-                        <a:latin typeface="inherit"/>
+                        <a:latin typeface="+mn-lt"/>
                       </a:endParaRPr>
                     </a:p>
                   </a:txBody>
@@ -11378,7 +11378,7 @@
                             <a:srgbClr val="000000"/>
                           </a:solidFill>
                           <a:effectLst/>
-                          <a:latin typeface="Arial"/>
+                          <a:latin typeface="+mn-lt"/>
                           <a:ea typeface="Arial"/>
                           <a:cs typeface="Arial"/>
                           <a:sym typeface="Arial"/>
@@ -11391,7 +11391,7 @@
                             <a:srgbClr val="000000"/>
                           </a:solidFill>
                           <a:effectLst/>
-                          <a:latin typeface="Arial"/>
+                          <a:latin typeface="+mn-lt"/>
                           <a:ea typeface="Arial"/>
                           <a:cs typeface="Arial"/>
                           <a:sym typeface="Arial"/>
@@ -11404,7 +11404,7 @@
                             <a:srgbClr val="000000"/>
                           </a:solidFill>
                           <a:effectLst/>
-                          <a:latin typeface="Arial"/>
+                          <a:latin typeface="+mn-lt"/>
                           <a:ea typeface="Arial"/>
                           <a:cs typeface="Arial"/>
                           <a:sym typeface="Arial"/>
@@ -11417,7 +11417,7 @@
                             <a:srgbClr val="000000"/>
                           </a:solidFill>
                           <a:effectLst/>
-                          <a:latin typeface="Arial"/>
+                          <a:latin typeface="+mn-lt"/>
                           <a:ea typeface="Arial"/>
                           <a:cs typeface="Arial"/>
                           <a:sym typeface="Arial"/>
@@ -11430,14 +11430,16 @@
                             <a:srgbClr val="000000"/>
                           </a:solidFill>
                           <a:effectLst/>
-                          <a:latin typeface="Arial"/>
+                          <a:latin typeface="+mn-lt"/>
                           <a:ea typeface="Arial"/>
                           <a:cs typeface="Arial"/>
                           <a:sym typeface="Arial"/>
                         </a:rPr>
                         <a:t>Memory</a:t>
                       </a:r>
-                      <a:endParaRPr b="0" u="none" dirty="0"/>
+                      <a:endParaRPr b="0" u="none" dirty="0">
+                        <a:latin typeface="+mn-lt"/>
+                      </a:endParaRPr>
                     </a:p>
                   </a:txBody>
                   <a:tcPr marL="91425" marR="91425" marT="91425" marB="91425">
@@ -11506,14 +11508,16 @@
                             <a:srgbClr val="000000"/>
                           </a:solidFill>
                           <a:effectLst/>
-                          <a:latin typeface="Arial"/>
+                          <a:latin typeface="+mn-lt"/>
                           <a:ea typeface="Arial"/>
                           <a:cs typeface="Arial"/>
                           <a:sym typeface="Arial"/>
                         </a:rPr>
                         <a:t>Western Digital Caviar Blue 1 TB 3.5" 7200RPM Internal Hard Drive</a:t>
                       </a:r>
-                      <a:endParaRPr b="0" u="none" dirty="0"/>
+                      <a:endParaRPr b="0" u="none" dirty="0">
+                        <a:latin typeface="+mn-lt"/>
+                      </a:endParaRPr>
                     </a:p>
                   </a:txBody>
                   <a:tcPr marL="91425" marR="91425" marT="91425" marB="91425"/>
@@ -11670,14 +11674,14 @@
           <p:nvPr>
             <p:extLst>
               <p:ext uri="{D42A27DB-BD31-4B8C-83A1-F6EECF244321}">
-                <p14:modId xmlns:p14="http://schemas.microsoft.com/office/powerpoint/2010/main" val="362560379"/>
+                <p14:modId xmlns:p14="http://schemas.microsoft.com/office/powerpoint/2010/main" val="3588220384"/>
               </p:ext>
             </p:extLst>
           </p:nvPr>
         </p:nvGraphicFramePr>
         <p:xfrm>
           <a:off x="952500" y="1809750"/>
-          <a:ext cx="7239000" cy="1798200"/>
+          <a:ext cx="7239000" cy="1920150"/>
         </p:xfrm>
         <a:graphic>
           <a:graphicData uri="http://schemas.openxmlformats.org/drawingml/2006/table">
@@ -11756,7 +11760,7 @@
                       </a:pPr>
                       <a:r>
                         <a:rPr lang="es" b="0" u="none" dirty="0">
-                          <a:latin typeface="Open Sans"/>
+                          <a:latin typeface="+mn-lt"/>
                           <a:ea typeface="Open Sans"/>
                           <a:cs typeface="Open Sans"/>
                           <a:sym typeface="Open Sans"/>
@@ -11764,7 +11768,7 @@
                         <a:t>Ryzen 3 2200g</a:t>
                       </a:r>
                       <a:endParaRPr b="0" u="none" dirty="0">
-                        <a:latin typeface="Open Sans"/>
+                        <a:latin typeface="+mn-lt"/>
                         <a:ea typeface="Open Sans"/>
                         <a:cs typeface="Open Sans"/>
                         <a:sym typeface="Open Sans"/>
@@ -11829,13 +11833,13 @@
                             <a:srgbClr val="191B2B"/>
                           </a:solidFill>
                           <a:effectLst/>
-                          <a:latin typeface="inherit"/>
+                          <a:latin typeface="+mn-lt"/>
                         </a:rPr>
                         <a:t>ASRock B450M Pro4 Micro ATX AM4 Motherboard</a:t>
                       </a:r>
                       <a:endParaRPr lang="en-US" b="0" u="none" dirty="0">
                         <a:effectLst/>
-                        <a:latin typeface="inherit"/>
+                        <a:latin typeface="+mn-lt"/>
                       </a:endParaRPr>
                     </a:p>
                   </a:txBody>
@@ -11863,7 +11867,7 @@
                         <a:buNone/>
                       </a:pPr>
                       <a:r>
-                        <a:rPr lang="es">
+                        <a:rPr lang="es" dirty="0">
                           <a:latin typeface="Open Sans"/>
                           <a:ea typeface="Open Sans"/>
                           <a:cs typeface="Open Sans"/>
@@ -11871,7 +11875,7 @@
                         </a:rPr>
                         <a:t>Memoria ram</a:t>
                       </a:r>
-                      <a:endParaRPr>
+                      <a:endParaRPr dirty="0">
                         <a:latin typeface="Open Sans"/>
                         <a:ea typeface="Open Sans"/>
                         <a:cs typeface="Open Sans"/>
@@ -11905,7 +11909,7 @@
                             <a:srgbClr val="000000"/>
                           </a:solidFill>
                           <a:effectLst/>
-                          <a:latin typeface="Arial"/>
+                          <a:latin typeface="+mn-lt"/>
                           <a:ea typeface="Arial"/>
                           <a:cs typeface="Arial"/>
                           <a:sym typeface="Arial"/>
@@ -11918,7 +11922,7 @@
                             <a:srgbClr val="000000"/>
                           </a:solidFill>
                           <a:effectLst/>
-                          <a:latin typeface="Arial"/>
+                          <a:latin typeface="+mn-lt"/>
                           <a:ea typeface="Arial"/>
                           <a:cs typeface="Arial"/>
                           <a:sym typeface="Arial"/>
@@ -11931,7 +11935,7 @@
                             <a:srgbClr val="000000"/>
                           </a:solidFill>
                           <a:effectLst/>
-                          <a:latin typeface="Arial"/>
+                          <a:latin typeface="+mn-lt"/>
                           <a:ea typeface="Arial"/>
                           <a:cs typeface="Arial"/>
                           <a:sym typeface="Arial"/>
@@ -11944,7 +11948,7 @@
                             <a:srgbClr val="000000"/>
                           </a:solidFill>
                           <a:effectLst/>
-                          <a:latin typeface="Arial"/>
+                          <a:latin typeface="+mn-lt"/>
                           <a:ea typeface="Arial"/>
                           <a:cs typeface="Arial"/>
                           <a:sym typeface="Arial"/>
@@ -11957,7 +11961,7 @@
                             <a:srgbClr val="000000"/>
                           </a:solidFill>
                           <a:effectLst/>
-                          <a:latin typeface="Arial"/>
+                          <a:latin typeface="+mn-lt"/>
                           <a:ea typeface="Arial"/>
                           <a:cs typeface="Arial"/>
                           <a:sym typeface="Arial"/>
@@ -11965,7 +11969,7 @@
                         <a:t>Memory</a:t>
                       </a:r>
                       <a:endParaRPr b="0" u="none" dirty="0">
-                        <a:latin typeface="Open Sans"/>
+                        <a:latin typeface="+mn-lt"/>
                         <a:ea typeface="Open Sans"/>
                         <a:cs typeface="Open Sans"/>
                         <a:sym typeface="Open Sans"/>
@@ -12030,13 +12034,13 @@
                             <a:srgbClr val="191B2B"/>
                           </a:solidFill>
                           <a:effectLst/>
-                          <a:latin typeface="inherit"/>
+                          <a:latin typeface="+mn-lt"/>
                         </a:rPr>
                         <a:t>Seagate Barracuda Compute 2 TB 3.5" 7200RPM Internal Hard Drive</a:t>
                       </a:r>
                       <a:endParaRPr lang="en-US" b="0" u="none" dirty="0">
                         <a:effectLst/>
-                        <a:latin typeface="inherit"/>
+                        <a:latin typeface="+mn-lt"/>
                       </a:endParaRPr>
                     </a:p>
                   </a:txBody>
@@ -12232,14 +12236,14 @@
           <p:nvPr>
             <p:extLst>
               <p:ext uri="{D42A27DB-BD31-4B8C-83A1-F6EECF244321}">
-                <p14:modId xmlns:p14="http://schemas.microsoft.com/office/powerpoint/2010/main" val="3249230024"/>
+                <p14:modId xmlns:p14="http://schemas.microsoft.com/office/powerpoint/2010/main" val="1573904609"/>
               </p:ext>
             </p:extLst>
           </p:nvPr>
         </p:nvGraphicFramePr>
         <p:xfrm>
           <a:off x="952500" y="2114550"/>
-          <a:ext cx="7239000" cy="1798200"/>
+          <a:ext cx="7239000" cy="1920150"/>
         </p:xfrm>
         <a:graphic>
           <a:graphicData uri="http://schemas.openxmlformats.org/drawingml/2006/table">
@@ -12314,13 +12318,13 @@
                             <a:srgbClr val="191B2B"/>
                           </a:solidFill>
                           <a:effectLst/>
-                          <a:latin typeface="inherit"/>
+                          <a:latin typeface="+mn-lt"/>
                         </a:rPr>
                         <a:t>Intel Core i3-8100 3.6 GHz Quad-Core Processor</a:t>
                       </a:r>
                       <a:endParaRPr lang="it-IT" b="0" dirty="0">
                         <a:effectLst/>
-                        <a:latin typeface="inherit"/>
+                        <a:latin typeface="+mn-lt"/>
                       </a:endParaRPr>
                     </a:p>
                   </a:txBody>
@@ -12382,7 +12386,7 @@
                             <a:srgbClr val="191B2B"/>
                           </a:solidFill>
                           <a:effectLst/>
-                          <a:latin typeface="inherit"/>
+                          <a:latin typeface="+mn-lt"/>
                         </a:rPr>
                         <a:t>Gigabyte B365M DS3H Micro ATX LGA1151 </a:t>
                       </a:r>
@@ -12392,13 +12396,13 @@
                             <a:srgbClr val="191B2B"/>
                           </a:solidFill>
                           <a:effectLst/>
-                          <a:latin typeface="inherit"/>
+                          <a:latin typeface="+mn-lt"/>
                         </a:rPr>
                         <a:t>Motherboard</a:t>
                       </a:r>
                       <a:endParaRPr lang="es-CO" b="0" dirty="0">
                         <a:effectLst/>
-                        <a:latin typeface="inherit"/>
+                        <a:latin typeface="+mn-lt"/>
                       </a:endParaRPr>
                     </a:p>
                   </a:txBody>
@@ -12468,7 +12472,7 @@
                             <a:srgbClr val="000000"/>
                           </a:solidFill>
                           <a:effectLst/>
-                          <a:latin typeface="Arial"/>
+                          <a:latin typeface="+mn-lt"/>
                           <a:ea typeface="Arial"/>
                           <a:cs typeface="Arial"/>
                           <a:sym typeface="Arial"/>
@@ -12481,7 +12485,7 @@
                             <a:srgbClr val="000000"/>
                           </a:solidFill>
                           <a:effectLst/>
-                          <a:latin typeface="Arial"/>
+                          <a:latin typeface="+mn-lt"/>
                           <a:ea typeface="Arial"/>
                           <a:cs typeface="Arial"/>
                           <a:sym typeface="Arial"/>
@@ -12494,7 +12498,7 @@
                             <a:srgbClr val="000000"/>
                           </a:solidFill>
                           <a:effectLst/>
-                          <a:latin typeface="Arial"/>
+                          <a:latin typeface="+mn-lt"/>
                           <a:ea typeface="Arial"/>
                           <a:cs typeface="Arial"/>
                           <a:sym typeface="Arial"/>
@@ -12507,7 +12511,7 @@
                             <a:srgbClr val="000000"/>
                           </a:solidFill>
                           <a:effectLst/>
-                          <a:latin typeface="Arial"/>
+                          <a:latin typeface="+mn-lt"/>
                           <a:ea typeface="Arial"/>
                           <a:cs typeface="Arial"/>
                           <a:sym typeface="Arial"/>
@@ -12520,7 +12524,7 @@
                             <a:srgbClr val="000000"/>
                           </a:solidFill>
                           <a:effectLst/>
-                          <a:latin typeface="Arial"/>
+                          <a:latin typeface="+mn-lt"/>
                           <a:ea typeface="Arial"/>
                           <a:cs typeface="Arial"/>
                           <a:sym typeface="Arial"/>
@@ -12528,7 +12532,7 @@
                         <a:t>Memory</a:t>
                       </a:r>
                       <a:endParaRPr b="0" u="none" dirty="0">
-                        <a:latin typeface="Open Sans"/>
+                        <a:latin typeface="+mn-lt"/>
                         <a:ea typeface="Open Sans"/>
                         <a:cs typeface="Open Sans"/>
                         <a:sym typeface="Open Sans"/>
@@ -12593,13 +12597,13 @@
                             <a:srgbClr val="191B2B"/>
                           </a:solidFill>
                           <a:effectLst/>
-                          <a:latin typeface="inherit"/>
+                          <a:latin typeface="+mn-lt"/>
                         </a:rPr>
                         <a:t>Western Digital Blue SN550 1 TB M.2-2280 NVME Solid State Drive</a:t>
                       </a:r>
                       <a:endParaRPr lang="en-US" b="0" dirty="0">
                         <a:effectLst/>
-                        <a:latin typeface="inherit"/>
+                        <a:latin typeface="+mn-lt"/>
                       </a:endParaRPr>
                     </a:p>
                   </a:txBody>
@@ -13031,14 +13035,14 @@
           <p:nvPr>
             <p:extLst>
               <p:ext uri="{D42A27DB-BD31-4B8C-83A1-F6EECF244321}">
-                <p14:modId xmlns:p14="http://schemas.microsoft.com/office/powerpoint/2010/main" val="2432560381"/>
+                <p14:modId xmlns:p14="http://schemas.microsoft.com/office/powerpoint/2010/main" val="2527964153"/>
               </p:ext>
             </p:extLst>
           </p:nvPr>
         </p:nvGraphicFramePr>
         <p:xfrm>
           <a:off x="952500" y="1809750"/>
-          <a:ext cx="7239000" cy="2100365"/>
+          <a:ext cx="7239000" cy="2224950"/>
         </p:xfrm>
         <a:graphic>
           <a:graphicData uri="http://schemas.openxmlformats.org/drawingml/2006/table">
@@ -13119,13 +13123,13 @@
                             <a:srgbClr val="191B2B"/>
                           </a:solidFill>
                           <a:effectLst/>
-                          <a:latin typeface="inherit"/>
+                          <a:latin typeface="+mn-lt"/>
                         </a:rPr>
                         <a:t>Intel Core i5-10400F 2.9 GHz 6-Core Processor</a:t>
                       </a:r>
                       <a:endParaRPr lang="it-IT" b="0" dirty="0">
                         <a:effectLst/>
-                        <a:latin typeface="inherit"/>
+                        <a:latin typeface="+mn-lt"/>
                       </a:endParaRPr>
                     </a:p>
                   </a:txBody>
@@ -13193,7 +13197,7 @@
                             <a:srgbClr val="000000"/>
                           </a:solidFill>
                           <a:effectLst/>
-                          <a:latin typeface="Arial"/>
+                          <a:latin typeface="+mn-lt"/>
                           <a:ea typeface="Arial"/>
                           <a:cs typeface="Arial"/>
                           <a:sym typeface="Arial"/>
@@ -13205,7 +13209,7 @@
                           <a:schemeClr val="tx1"/>
                         </a:solidFill>
                         <a:effectLst/>
-                        <a:latin typeface="inherit"/>
+                        <a:latin typeface="+mn-lt"/>
                       </a:endParaRPr>
                     </a:p>
                   </a:txBody>
@@ -13273,7 +13277,7 @@
                             <a:srgbClr val="191B2B"/>
                           </a:solidFill>
                           <a:effectLst/>
-                          <a:latin typeface="inherit"/>
+                          <a:latin typeface="+mn-lt"/>
                         </a:rPr>
                         <a:t>G.Skill</a:t>
                       </a:r>
@@ -13283,7 +13287,7 @@
                             <a:srgbClr val="191B2B"/>
                           </a:solidFill>
                           <a:effectLst/>
-                          <a:latin typeface="inherit"/>
+                          <a:latin typeface="+mn-lt"/>
                         </a:rPr>
                         <a:t> </a:t>
                       </a:r>
@@ -13293,7 +13297,7 @@
                             <a:srgbClr val="191B2B"/>
                           </a:solidFill>
                           <a:effectLst/>
-                          <a:latin typeface="inherit"/>
+                          <a:latin typeface="+mn-lt"/>
                         </a:rPr>
                         <a:t>Ripjaws</a:t>
                       </a:r>
@@ -13303,13 +13307,13 @@
                             <a:srgbClr val="191B2B"/>
                           </a:solidFill>
                           <a:effectLst/>
-                          <a:latin typeface="inherit"/>
+                          <a:latin typeface="+mn-lt"/>
                         </a:rPr>
                         <a:t> V Series 32 GB (2 x 16 GB) DDR4-3200 CL16 Memory</a:t>
                       </a:r>
                       <a:endParaRPr lang="en-US" b="0" dirty="0">
                         <a:effectLst/>
-                        <a:latin typeface="inherit"/>
+                        <a:latin typeface="+mn-lt"/>
                       </a:endParaRPr>
                     </a:p>
                   </a:txBody>
@@ -13377,13 +13381,13 @@
                             <a:srgbClr val="191B2B"/>
                           </a:solidFill>
                           <a:effectLst/>
-                          <a:latin typeface="inherit"/>
+                          <a:latin typeface="+mn-lt"/>
                         </a:rPr>
                         <a:t>Western Digital Blue SN550 1 TB M.2-2280 NVME Solid State Drive</a:t>
                       </a:r>
                       <a:endParaRPr lang="en-US" b="0" dirty="0">
                         <a:effectLst/>
-                        <a:latin typeface="inherit"/>
+                        <a:latin typeface="+mn-lt"/>
                       </a:endParaRPr>
                     </a:p>
                   </a:txBody>
@@ -13449,7 +13453,7 @@
                       </a:pPr>
                       <a:r>
                         <a:rPr lang="es" dirty="0">
-                          <a:latin typeface="Open Sans"/>
+                          <a:latin typeface="+mn-lt"/>
                           <a:ea typeface="Open Sans"/>
                           <a:cs typeface="Open Sans"/>
                           <a:sym typeface="Open Sans"/>
@@ -13457,7 +13461,7 @@
                         <a:t>GeForce GT 1030 2GD4 LP OC</a:t>
                       </a:r>
                       <a:endParaRPr dirty="0">
-                        <a:latin typeface="Open Sans"/>
+                        <a:latin typeface="+mn-lt"/>
                         <a:ea typeface="Open Sans"/>
                         <a:cs typeface="Open Sans"/>
                         <a:sym typeface="Open Sans"/>
@@ -13660,7 +13664,7 @@
           <p:nvPr>
             <p:extLst>
               <p:ext uri="{D42A27DB-BD31-4B8C-83A1-F6EECF244321}">
-                <p14:modId xmlns:p14="http://schemas.microsoft.com/office/powerpoint/2010/main" val="60390312"/>
+                <p14:modId xmlns:p14="http://schemas.microsoft.com/office/powerpoint/2010/main" val="77954555"/>
               </p:ext>
             </p:extLst>
           </p:nvPr>
@@ -13742,7 +13746,7 @@
                             <a:schemeClr val="tx1"/>
                           </a:solidFill>
                           <a:effectLst/>
-                          <a:latin typeface="inherit"/>
+                          <a:latin typeface="+mn-lt"/>
                         </a:rPr>
                         <a:t>AMD Ryzen 7 3700X 3.6 GHz 8-Core </a:t>
                       </a:r>
@@ -13752,7 +13756,7 @@
                             <a:schemeClr val="tx1"/>
                           </a:solidFill>
                           <a:effectLst/>
-                          <a:latin typeface="inherit"/>
+                          <a:latin typeface="+mn-lt"/>
                         </a:rPr>
                         <a:t>Processor</a:t>
                       </a:r>
@@ -13761,7 +13765,7 @@
                           <a:schemeClr val="tx1"/>
                         </a:solidFill>
                         <a:effectLst/>
-                        <a:latin typeface="inherit"/>
+                        <a:latin typeface="+mn-lt"/>
                       </a:endParaRPr>
                     </a:p>
                   </a:txBody>
@@ -13827,7 +13831,7 @@
                       </a:pPr>
                       <a:r>
                         <a:rPr lang="es" dirty="0">
-                          <a:latin typeface="Open Sans"/>
+                          <a:latin typeface="+mn-lt"/>
                           <a:ea typeface="Open Sans"/>
                           <a:cs typeface="Open Sans"/>
                           <a:sym typeface="Open Sans"/>
@@ -13835,7 +13839,7 @@
                         <a:t> A320M Asrock</a:t>
                       </a:r>
                       <a:endParaRPr dirty="0">
-                        <a:latin typeface="Open Sans"/>
+                        <a:latin typeface="+mn-lt"/>
                         <a:ea typeface="Open Sans"/>
                         <a:cs typeface="Open Sans"/>
                         <a:sym typeface="Open Sans"/>
@@ -13908,7 +13912,7 @@
                             <a:srgbClr val="000000"/>
                           </a:solidFill>
                           <a:effectLst/>
-                          <a:latin typeface="Arial"/>
+                          <a:latin typeface="+mn-lt"/>
                           <a:ea typeface="Arial"/>
                           <a:cs typeface="Arial"/>
                           <a:sym typeface="Arial"/>
@@ -13921,7 +13925,7 @@
                             <a:srgbClr val="000000"/>
                           </a:solidFill>
                           <a:effectLst/>
-                          <a:latin typeface="Arial"/>
+                          <a:latin typeface="+mn-lt"/>
                           <a:ea typeface="Arial"/>
                           <a:cs typeface="Arial"/>
                           <a:sym typeface="Arial"/>
@@ -13934,7 +13938,7 @@
                             <a:srgbClr val="000000"/>
                           </a:solidFill>
                           <a:effectLst/>
-                          <a:latin typeface="Arial"/>
+                          <a:latin typeface="+mn-lt"/>
                           <a:ea typeface="Arial"/>
                           <a:cs typeface="Arial"/>
                           <a:sym typeface="Arial"/>
@@ -13947,7 +13951,7 @@
                             <a:srgbClr val="000000"/>
                           </a:solidFill>
                           <a:effectLst/>
-                          <a:latin typeface="Arial"/>
+                          <a:latin typeface="+mn-lt"/>
                           <a:ea typeface="Arial"/>
                           <a:cs typeface="Arial"/>
                           <a:sym typeface="Arial"/>
@@ -13960,7 +13964,7 @@
                             <a:schemeClr val="tx1"/>
                           </a:solidFill>
                           <a:effectLst/>
-                          <a:latin typeface="Arial"/>
+                          <a:latin typeface="+mn-lt"/>
                           <a:ea typeface="Arial"/>
                           <a:cs typeface="Arial"/>
                           <a:sym typeface="Arial"/>
@@ -13971,7 +13975,7 @@
                         <a:solidFill>
                           <a:schemeClr val="tx1"/>
                         </a:solidFill>
-                        <a:latin typeface="Open Sans"/>
+                        <a:latin typeface="+mn-lt"/>
                         <a:ea typeface="Open Sans"/>
                         <a:cs typeface="Open Sans"/>
                         <a:sym typeface="Open Sans"/>
@@ -14044,7 +14048,7 @@
                             <a:schemeClr val="tx1"/>
                           </a:solidFill>
                           <a:effectLst/>
-                          <a:latin typeface="Arial"/>
+                          <a:latin typeface="+mn-lt"/>
                           <a:ea typeface="Arial"/>
                           <a:cs typeface="Arial"/>
                           <a:sym typeface="Arial"/>
@@ -14055,7 +14059,7 @@
                         <a:solidFill>
                           <a:schemeClr val="tx1"/>
                         </a:solidFill>
-                        <a:latin typeface="Open Sans"/>
+                        <a:latin typeface="+mn-lt"/>
                         <a:ea typeface="Open Sans"/>
                         <a:cs typeface="Open Sans"/>
                         <a:sym typeface="Open Sans"/>
@@ -14128,7 +14132,7 @@
                             <a:schemeClr val="tx1"/>
                           </a:solidFill>
                           <a:effectLst/>
-                          <a:latin typeface="Arial"/>
+                          <a:latin typeface="+mn-lt"/>
                           <a:ea typeface="Arial"/>
                           <a:cs typeface="Arial"/>
                           <a:sym typeface="Arial"/>
@@ -14141,7 +14145,7 @@
                             <a:schemeClr val="tx1"/>
                           </a:solidFill>
                           <a:effectLst/>
-                          <a:latin typeface="Arial"/>
+                          <a:latin typeface="+mn-lt"/>
                           <a:ea typeface="Arial"/>
                           <a:cs typeface="Arial"/>
                           <a:sym typeface="Arial"/>
@@ -14152,7 +14156,7 @@
                         <a:solidFill>
                           <a:schemeClr val="tx1"/>
                         </a:solidFill>
-                        <a:latin typeface="Open Sans"/>
+                        <a:latin typeface="+mn-lt"/>
                         <a:ea typeface="Open Sans"/>
                         <a:cs typeface="Open Sans"/>
                         <a:sym typeface="Open Sans"/>
@@ -14306,14 +14310,14 @@
           <p:nvPr>
             <p:extLst>
               <p:ext uri="{D42A27DB-BD31-4B8C-83A1-F6EECF244321}">
-                <p14:modId xmlns:p14="http://schemas.microsoft.com/office/powerpoint/2010/main" val="1748214085"/>
+                <p14:modId xmlns:p14="http://schemas.microsoft.com/office/powerpoint/2010/main" val="3184286321"/>
               </p:ext>
             </p:extLst>
           </p:nvPr>
         </p:nvGraphicFramePr>
         <p:xfrm>
           <a:off x="952500" y="2114550"/>
-          <a:ext cx="7239000" cy="2194410"/>
+          <a:ext cx="7239000" cy="2316360"/>
         </p:xfrm>
         <a:graphic>
           <a:graphicData uri="http://schemas.openxmlformats.org/drawingml/2006/table">
@@ -14388,7 +14392,7 @@
                             <a:srgbClr val="191B2B"/>
                           </a:solidFill>
                           <a:effectLst/>
-                          <a:latin typeface="inherit"/>
+                          <a:latin typeface="+mn-lt"/>
                         </a:rPr>
                         <a:t>AMD Ryzen 7 3700X 3.6 GHz 8-Core </a:t>
                       </a:r>
@@ -14398,13 +14402,13 @@
                             <a:srgbClr val="191B2B"/>
                           </a:solidFill>
                           <a:effectLst/>
-                          <a:latin typeface="inherit"/>
+                          <a:latin typeface="+mn-lt"/>
                         </a:rPr>
                         <a:t>Processor</a:t>
                       </a:r>
                       <a:endParaRPr lang="es-CO" b="0" dirty="0">
                         <a:effectLst/>
-                        <a:latin typeface="inherit"/>
+                        <a:latin typeface="+mn-lt"/>
                       </a:endParaRPr>
                     </a:p>
                   </a:txBody>
@@ -14470,13 +14474,13 @@
                             <a:srgbClr val="191B2B"/>
                           </a:solidFill>
                           <a:effectLst/>
-                          <a:latin typeface="inherit"/>
+                          <a:latin typeface="+mn-lt"/>
                         </a:rPr>
                         <a:t>Asus TUF GAMING X570-PLUS (WI-FI) ATX AM4 Motherboard</a:t>
                       </a:r>
                       <a:endParaRPr lang="en-US" b="0" dirty="0">
                         <a:effectLst/>
-                        <a:latin typeface="inherit"/>
+                        <a:latin typeface="+mn-lt"/>
                       </a:endParaRPr>
                     </a:p>
                   </a:txBody>
@@ -14550,7 +14554,7 @@
                             <a:srgbClr val="000000"/>
                           </a:solidFill>
                           <a:effectLst/>
-                          <a:latin typeface="Arial"/>
+                          <a:latin typeface="+mn-lt"/>
                           <a:ea typeface="Arial"/>
                           <a:cs typeface="Arial"/>
                           <a:sym typeface="Arial"/>
@@ -14563,7 +14567,7 @@
                             <a:srgbClr val="000000"/>
                           </a:solidFill>
                           <a:effectLst/>
-                          <a:latin typeface="Arial"/>
+                          <a:latin typeface="+mn-lt"/>
                           <a:ea typeface="Arial"/>
                           <a:cs typeface="Arial"/>
                           <a:sym typeface="Arial"/>
@@ -14576,7 +14580,7 @@
                             <a:srgbClr val="000000"/>
                           </a:solidFill>
                           <a:effectLst/>
-                          <a:latin typeface="Arial"/>
+                          <a:latin typeface="+mn-lt"/>
                           <a:ea typeface="Arial"/>
                           <a:cs typeface="Arial"/>
                           <a:sym typeface="Arial"/>
@@ -14589,14 +14593,16 @@
                             <a:srgbClr val="000000"/>
                           </a:solidFill>
                           <a:effectLst/>
-                          <a:latin typeface="Arial"/>
+                          <a:latin typeface="+mn-lt"/>
                           <a:ea typeface="Arial"/>
                           <a:cs typeface="Arial"/>
                           <a:sym typeface="Arial"/>
                         </a:rPr>
                         <a:t> V Series 32 GB (2 x 16 GB) DDR4-3200 CL16 Memory</a:t>
                       </a:r>
-                      <a:endParaRPr b="0" dirty="0"/>
+                      <a:endParaRPr b="0" dirty="0">
+                        <a:latin typeface="+mn-lt"/>
+                      </a:endParaRPr>
                     </a:p>
                   </a:txBody>
                   <a:tcPr marL="91425" marR="91425" marT="91425" marB="91425">
@@ -14661,13 +14667,13 @@
                             <a:srgbClr val="191B2B"/>
                           </a:solidFill>
                           <a:effectLst/>
-                          <a:latin typeface="inherit"/>
+                          <a:latin typeface="+mn-lt"/>
                         </a:rPr>
                         <a:t>Samsung 970 Evo Plus 1 TB M.2-2280 NVME Solid State Drive</a:t>
                       </a:r>
                       <a:endParaRPr lang="en-US" b="0" dirty="0">
                         <a:effectLst/>
-                        <a:latin typeface="inherit"/>
+                        <a:latin typeface="+mn-lt"/>
                       </a:endParaRPr>
                     </a:p>
                   </a:txBody>
@@ -14733,7 +14739,7 @@
                             <a:srgbClr val="191B2B"/>
                           </a:solidFill>
                           <a:effectLst/>
-                          <a:latin typeface="inherit"/>
+                          <a:latin typeface="+mn-lt"/>
                         </a:rPr>
                         <a:t>EVGA GeForce GTX 1650 G6 4 GB SC ULTRA GAMING Video </a:t>
                       </a:r>
@@ -14743,13 +14749,13 @@
                             <a:srgbClr val="191B2B"/>
                           </a:solidFill>
                           <a:effectLst/>
-                          <a:latin typeface="inherit"/>
+                          <a:latin typeface="+mn-lt"/>
                         </a:rPr>
                         <a:t>Card</a:t>
                       </a:r>
                       <a:endParaRPr lang="es-CO" b="0" dirty="0">
                         <a:effectLst/>
-                        <a:latin typeface="inherit"/>
+                        <a:latin typeface="+mn-lt"/>
                       </a:endParaRPr>
                     </a:p>
                   </a:txBody>
@@ -15213,14 +15219,14 @@
           <p:nvPr>
             <p:extLst>
               <p:ext uri="{D42A27DB-BD31-4B8C-83A1-F6EECF244321}">
-                <p14:modId xmlns:p14="http://schemas.microsoft.com/office/powerpoint/2010/main" val="3723652444"/>
+                <p14:modId xmlns:p14="http://schemas.microsoft.com/office/powerpoint/2010/main" val="92615288"/>
               </p:ext>
             </p:extLst>
           </p:nvPr>
         </p:nvGraphicFramePr>
         <p:xfrm>
           <a:off x="952500" y="1809750"/>
-          <a:ext cx="7239000" cy="2416875"/>
+          <a:ext cx="7239000" cy="2560260"/>
         </p:xfrm>
         <a:graphic>
           <a:graphicData uri="http://schemas.openxmlformats.org/drawingml/2006/table">
@@ -15299,7 +15305,7 @@
                       </a:pPr>
                       <a:r>
                         <a:rPr lang="es" dirty="0">
-                          <a:latin typeface="Open Sans"/>
+                          <a:latin typeface="+mn-lt"/>
                           <a:ea typeface="Open Sans"/>
                           <a:cs typeface="Open Sans"/>
                           <a:sym typeface="Open Sans"/>
@@ -15307,7 +15313,7 @@
                         <a:t>Core i7-10700</a:t>
                       </a:r>
                       <a:endParaRPr dirty="0">
-                        <a:latin typeface="Open Sans"/>
+                        <a:latin typeface="+mn-lt"/>
                         <a:ea typeface="Open Sans"/>
                         <a:cs typeface="Open Sans"/>
                         <a:sym typeface="Open Sans"/>
@@ -15369,14 +15375,14 @@
                     <a:bodyPr/>
                     <a:lstStyle/>
                     <a:p>
-                      <a:pPr fontAlgn="ctr"/>
+                      <a:pPr algn="l" fontAlgn="ctr"/>
                       <a:r>
                         <a:rPr lang="es-CO" b="0" u="none" strike="noStrike" dirty="0">
                           <a:solidFill>
                             <a:srgbClr val="191B2B"/>
                           </a:solidFill>
                           <a:effectLst/>
-                          <a:latin typeface="inherit"/>
+                          <a:latin typeface="+mn-lt"/>
                         </a:rPr>
                         <a:t>Asus ROG STRIX Z590-E GAMING WIFI ATX LGA1200 </a:t>
                       </a:r>
@@ -15386,13 +15392,13 @@
                             <a:srgbClr val="191B2B"/>
                           </a:solidFill>
                           <a:effectLst/>
-                          <a:latin typeface="inherit"/>
+                          <a:latin typeface="+mn-lt"/>
                         </a:rPr>
                         <a:t>Motherboard</a:t>
                       </a:r>
                       <a:endParaRPr lang="es-CO" b="0" dirty="0">
                         <a:effectLst/>
-                        <a:latin typeface="inherit"/>
+                        <a:latin typeface="+mn-lt"/>
                       </a:endParaRPr>
                     </a:p>
                   </a:txBody>
@@ -15451,14 +15457,14 @@
                     <a:bodyPr/>
                     <a:lstStyle/>
                     <a:p>
-                      <a:pPr fontAlgn="ctr"/>
+                      <a:pPr algn="l" fontAlgn="ctr"/>
                       <a:r>
                         <a:rPr lang="es-CO" b="0" u="none" strike="noStrike" dirty="0" err="1">
                           <a:solidFill>
                             <a:srgbClr val="191B2B"/>
                           </a:solidFill>
                           <a:effectLst/>
-                          <a:latin typeface="inherit"/>
+                          <a:latin typeface="+mn-lt"/>
                         </a:rPr>
                         <a:t>Corsair</a:t>
                       </a:r>
@@ -15468,7 +15474,7 @@
                             <a:srgbClr val="191B2B"/>
                           </a:solidFill>
                           <a:effectLst/>
-                          <a:latin typeface="inherit"/>
+                          <a:latin typeface="+mn-lt"/>
                         </a:rPr>
                         <a:t> </a:t>
                       </a:r>
@@ -15478,7 +15484,7 @@
                             <a:srgbClr val="191B2B"/>
                           </a:solidFill>
                           <a:effectLst/>
-                          <a:latin typeface="inherit"/>
+                          <a:latin typeface="+mn-lt"/>
                         </a:rPr>
                         <a:t>Vengeance</a:t>
                       </a:r>
@@ -15488,7 +15494,7 @@
                             <a:srgbClr val="191B2B"/>
                           </a:solidFill>
                           <a:effectLst/>
-                          <a:latin typeface="inherit"/>
+                          <a:latin typeface="+mn-lt"/>
                         </a:rPr>
                         <a:t> RGB Pro 32 GB (2 x 16 GB) DDR4-3600 CL18 </a:t>
                       </a:r>
@@ -15498,13 +15504,13 @@
                             <a:srgbClr val="191B2B"/>
                           </a:solidFill>
                           <a:effectLst/>
-                          <a:latin typeface="inherit"/>
+                          <a:latin typeface="+mn-lt"/>
                         </a:rPr>
                         <a:t>Memory</a:t>
                       </a:r>
                       <a:endParaRPr lang="es-CO" b="0" dirty="0">
                         <a:effectLst/>
-                        <a:latin typeface="inherit"/>
+                        <a:latin typeface="+mn-lt"/>
                       </a:endParaRPr>
                     </a:p>
                   </a:txBody>
@@ -15563,20 +15569,20 @@
                     <a:bodyPr/>
                     <a:lstStyle/>
                     <a:p>
-                      <a:pPr fontAlgn="ctr"/>
+                      <a:pPr algn="l" fontAlgn="ctr"/>
                       <a:r>
                         <a:rPr lang="en-US" b="0" u="none" strike="noStrike" dirty="0">
                           <a:solidFill>
                             <a:srgbClr val="191B2B"/>
                           </a:solidFill>
                           <a:effectLst/>
-                          <a:latin typeface="inherit"/>
+                          <a:latin typeface="+mn-lt"/>
                         </a:rPr>
                         <a:t>Samsung 970 EVO Plus 2 TB M.2-2280 NVME Solid State Drive</a:t>
                       </a:r>
                       <a:endParaRPr lang="en-US" b="0" u="none" dirty="0">
                         <a:effectLst/>
-                        <a:latin typeface="inherit"/>
+                        <a:latin typeface="+mn-lt"/>
                       </a:endParaRPr>
                     </a:p>
                   </a:txBody>
@@ -15635,7 +15641,7 @@
                     <a:bodyPr/>
                     <a:lstStyle/>
                     <a:p>
-                      <a:pPr marL="0" lvl="0" indent="0" algn="ctr" rtl="0">
+                      <a:pPr marL="0" lvl="0" indent="0" algn="l" rtl="0">
                         <a:spcBef>
                           <a:spcPts val="0"/>
                         </a:spcBef>
@@ -15650,7 +15656,7 @@
                             <a:srgbClr val="000000"/>
                           </a:solidFill>
                           <a:effectLst/>
-                          <a:latin typeface="Arial"/>
+                          <a:latin typeface="+mn-lt"/>
                           <a:ea typeface="Arial"/>
                           <a:cs typeface="Arial"/>
                           <a:sym typeface="Arial"/>
@@ -15663,7 +15669,7 @@
                             <a:schemeClr val="tx1"/>
                           </a:solidFill>
                           <a:effectLst/>
-                          <a:latin typeface="Arial"/>
+                          <a:latin typeface="+mn-lt"/>
                           <a:ea typeface="Arial"/>
                           <a:cs typeface="Arial"/>
                           <a:sym typeface="Arial"/>
@@ -15674,7 +15680,7 @@
                         <a:solidFill>
                           <a:schemeClr val="tx1"/>
                         </a:solidFill>
-                        <a:latin typeface="Open Sans"/>
+                        <a:latin typeface="+mn-lt"/>
                         <a:ea typeface="Open Sans"/>
                         <a:cs typeface="Open Sans"/>
                         <a:sym typeface="Open Sans"/>
@@ -15877,14 +15883,14 @@
           <p:nvPr>
             <p:extLst>
               <p:ext uri="{D42A27DB-BD31-4B8C-83A1-F6EECF244321}">
-                <p14:modId xmlns:p14="http://schemas.microsoft.com/office/powerpoint/2010/main" val="1238787201"/>
+                <p14:modId xmlns:p14="http://schemas.microsoft.com/office/powerpoint/2010/main" val="2497328717"/>
               </p:ext>
             </p:extLst>
           </p:nvPr>
         </p:nvGraphicFramePr>
         <p:xfrm>
           <a:off x="952500" y="1809750"/>
-          <a:ext cx="7239000" cy="2499210"/>
+          <a:ext cx="7239000" cy="2743110"/>
         </p:xfrm>
         <a:graphic>
           <a:graphicData uri="http://schemas.openxmlformats.org/drawingml/2006/table">
@@ -15963,7 +15969,7 @@
                       </a:pPr>
                       <a:r>
                         <a:rPr lang="es" dirty="0">
-                          <a:latin typeface="Open Sans"/>
+                          <a:latin typeface="+mn-lt"/>
                           <a:ea typeface="Open Sans"/>
                           <a:cs typeface="Open Sans"/>
                           <a:sym typeface="Open Sans"/>
@@ -15971,7 +15977,7 @@
                         <a:t>Amd Ryzen 7 3800xt</a:t>
                       </a:r>
                       <a:endParaRPr dirty="0">
-                        <a:latin typeface="Open Sans"/>
+                        <a:latin typeface="+mn-lt"/>
                         <a:ea typeface="Open Sans"/>
                         <a:cs typeface="Open Sans"/>
                         <a:sym typeface="Open Sans"/>
@@ -16040,7 +16046,7 @@
                             <a:srgbClr val="191B2B"/>
                           </a:solidFill>
                           <a:effectLst/>
-                          <a:latin typeface="inherit"/>
+                          <a:latin typeface="+mn-lt"/>
                         </a:rPr>
                         <a:t>MSI B550-A PRO ATX AM4 Motherboard</a:t>
                       </a:r>
@@ -16108,7 +16114,7 @@
                             <a:srgbClr val="191B2B"/>
                           </a:solidFill>
                           <a:effectLst/>
-                          <a:latin typeface="inherit"/>
+                          <a:latin typeface="+mn-lt"/>
                         </a:rPr>
                         <a:t>Corsair</a:t>
                       </a:r>
@@ -16118,7 +16124,7 @@
                             <a:srgbClr val="191B2B"/>
                           </a:solidFill>
                           <a:effectLst/>
-                          <a:latin typeface="inherit"/>
+                          <a:latin typeface="+mn-lt"/>
                         </a:rPr>
                         <a:t> </a:t>
                       </a:r>
@@ -16128,7 +16134,7 @@
                             <a:srgbClr val="191B2B"/>
                           </a:solidFill>
                           <a:effectLst/>
-                          <a:latin typeface="inherit"/>
+                          <a:latin typeface="+mn-lt"/>
                         </a:rPr>
                         <a:t>Vengeance</a:t>
                       </a:r>
@@ -16138,7 +16144,7 @@
                             <a:srgbClr val="191B2B"/>
                           </a:solidFill>
                           <a:effectLst/>
-                          <a:latin typeface="inherit"/>
+                          <a:latin typeface="+mn-lt"/>
                         </a:rPr>
                         <a:t> RGB Pro 32 GB (2 x 16 GB) DDR4-3600 CL18 </a:t>
                       </a:r>
@@ -16148,13 +16154,13 @@
                             <a:srgbClr val="191B2B"/>
                           </a:solidFill>
                           <a:effectLst/>
-                          <a:latin typeface="inherit"/>
+                          <a:latin typeface="+mn-lt"/>
                         </a:rPr>
                         <a:t>Memory</a:t>
                       </a:r>
                       <a:endParaRPr lang="es-CO" b="0" dirty="0">
                         <a:effectLst/>
-                        <a:latin typeface="inherit"/>
+                        <a:latin typeface="+mn-lt"/>
                       </a:endParaRPr>
                     </a:p>
                   </a:txBody>
@@ -16220,13 +16226,13 @@
                             <a:srgbClr val="191B2B"/>
                           </a:solidFill>
                           <a:effectLst/>
-                          <a:latin typeface="inherit"/>
+                          <a:latin typeface="+mn-lt"/>
                         </a:rPr>
                         <a:t>Samsung 980 Pro 1 TB M.2-2280 NVME Solid State Drive</a:t>
                       </a:r>
                       <a:endParaRPr lang="en-US" b="0" dirty="0">
                         <a:effectLst/>
-                        <a:latin typeface="inherit"/>
+                        <a:latin typeface="+mn-lt"/>
                       </a:endParaRPr>
                     </a:p>
                   </a:txBody>
@@ -16292,7 +16298,7 @@
                             <a:srgbClr val="191B2B"/>
                           </a:solidFill>
                           <a:effectLst/>
-                          <a:latin typeface="inherit"/>
+                          <a:latin typeface="+mn-lt"/>
                         </a:rPr>
                         <a:t>EVGA GeForce GTX 1650 G6 4 GB SC ULTRA GAMING Video </a:t>
                       </a:r>
@@ -16302,13 +16308,13 @@
                             <a:srgbClr val="191B2B"/>
                           </a:solidFill>
                           <a:effectLst/>
-                          <a:latin typeface="inherit"/>
+                          <a:latin typeface="+mn-lt"/>
                         </a:rPr>
                         <a:t>Card</a:t>
                       </a:r>
                       <a:endParaRPr lang="es-CO" b="0" dirty="0">
                         <a:effectLst/>
-                        <a:latin typeface="inherit"/>
+                        <a:latin typeface="+mn-lt"/>
                       </a:endParaRPr>
                     </a:p>
                   </a:txBody>
@@ -16365,7 +16371,7 @@
                             <a:schemeClr val="tx1"/>
                           </a:solidFill>
                           <a:effectLst/>
-                          <a:latin typeface="inherit"/>
+                          <a:latin typeface="+mn-lt"/>
                         </a:rPr>
                         <a:t>Cooler</a:t>
                       </a:r>
@@ -16375,7 +16381,7 @@
                             <a:schemeClr val="tx1"/>
                           </a:solidFill>
                           <a:effectLst/>
-                          <a:latin typeface="inherit"/>
+                          <a:latin typeface="+mn-lt"/>
                         </a:rPr>
                         <a:t> Master </a:t>
                       </a:r>
@@ -16385,7 +16391,7 @@
                             <a:schemeClr val="tx1"/>
                           </a:solidFill>
                           <a:effectLst/>
-                          <a:latin typeface="inherit"/>
+                          <a:latin typeface="+mn-lt"/>
                         </a:rPr>
                         <a:t>Hyper</a:t>
                       </a:r>
@@ -16395,7 +16401,7 @@
                             <a:schemeClr val="tx1"/>
                           </a:solidFill>
                           <a:effectLst/>
-                          <a:latin typeface="inherit"/>
+                          <a:latin typeface="+mn-lt"/>
                         </a:rPr>
                         <a:t> 212 RGB Black </a:t>
                       </a:r>
@@ -16405,7 +16411,7 @@
                             <a:schemeClr val="tx1"/>
                           </a:solidFill>
                           <a:effectLst/>
-                          <a:latin typeface="inherit"/>
+                          <a:latin typeface="+mn-lt"/>
                         </a:rPr>
                         <a:t>Edition</a:t>
                       </a:r>
@@ -16415,7 +16421,7 @@
                             <a:schemeClr val="tx1"/>
                           </a:solidFill>
                           <a:effectLst/>
-                          <a:latin typeface="inherit"/>
+                          <a:latin typeface="+mn-lt"/>
                         </a:rPr>
                         <a:t> 57.3 CFM CPU </a:t>
                       </a:r>
@@ -16425,7 +16431,7 @@
                             <a:schemeClr val="tx1"/>
                           </a:solidFill>
                           <a:effectLst/>
-                          <a:latin typeface="inherit"/>
+                          <a:latin typeface="+mn-lt"/>
                         </a:rPr>
                         <a:t>Cooler</a:t>
                       </a:r>
@@ -16434,7 +16440,7 @@
                           <a:schemeClr val="tx1"/>
                         </a:solidFill>
                         <a:effectLst/>
-                        <a:latin typeface="inherit"/>
+                        <a:latin typeface="+mn-lt"/>
                       </a:endParaRPr>
                     </a:p>
                   </a:txBody>
@@ -16967,14 +16973,14 @@
           <p:nvPr>
             <p:extLst>
               <p:ext uri="{D42A27DB-BD31-4B8C-83A1-F6EECF244321}">
-                <p14:modId xmlns:p14="http://schemas.microsoft.com/office/powerpoint/2010/main" val="2421344318"/>
+                <p14:modId xmlns:p14="http://schemas.microsoft.com/office/powerpoint/2010/main" val="2318182069"/>
               </p:ext>
             </p:extLst>
           </p:nvPr>
         </p:nvGraphicFramePr>
         <p:xfrm>
           <a:off x="952500" y="2114550"/>
-          <a:ext cx="7239000" cy="2803980"/>
+          <a:ext cx="7239000" cy="2270730"/>
         </p:xfrm>
         <a:graphic>
           <a:graphicData uri="http://schemas.openxmlformats.org/drawingml/2006/table">
@@ -17015,16 +17021,16 @@
                         <a:buNone/>
                       </a:pPr>
                       <a:r>
-                        <a:rPr lang="es">
-                          <a:latin typeface="Open Sans"/>
+                        <a:rPr lang="es" sz="1200">
+                          <a:latin typeface="+mn-lt"/>
                           <a:ea typeface="Open Sans"/>
                           <a:cs typeface="Open Sans"/>
                           <a:sym typeface="Open Sans"/>
                         </a:rPr>
                         <a:t>Procesador</a:t>
                       </a:r>
-                      <a:endParaRPr>
-                        <a:latin typeface="Open Sans"/>
+                      <a:endParaRPr sz="1200">
+                        <a:latin typeface="+mn-lt"/>
                         <a:ea typeface="Open Sans"/>
                         <a:cs typeface="Open Sans"/>
                         <a:sym typeface="Open Sans"/>
@@ -17052,12 +17058,12 @@
                         <a:buNone/>
                       </a:pPr>
                       <a:r>
-                        <a:rPr lang="es-CO" sz="1400" b="0" i="0" u="none" strike="noStrike" cap="none" dirty="0">
+                        <a:rPr lang="es-CO" sz="1200" b="0" i="0" u="none" strike="noStrike" cap="none" dirty="0">
                           <a:solidFill>
                             <a:srgbClr val="000000"/>
                           </a:solidFill>
                           <a:effectLst/>
-                          <a:latin typeface="Arial"/>
+                          <a:latin typeface="+mn-lt"/>
                           <a:ea typeface="Arial"/>
                           <a:cs typeface="Arial"/>
                           <a:sym typeface="Arial"/>
@@ -17065,12 +17071,12 @@
                         <a:t>AMD</a:t>
                       </a:r>
                       <a:r>
-                        <a:rPr lang="es-CO" sz="1400" b="1" i="0" u="none" strike="noStrike" cap="none" dirty="0">
+                        <a:rPr lang="es-CO" sz="1200" b="1" i="0" u="none" strike="noStrike" cap="none" dirty="0">
                           <a:solidFill>
                             <a:srgbClr val="000000"/>
                           </a:solidFill>
                           <a:effectLst/>
-                          <a:latin typeface="Arial"/>
+                          <a:latin typeface="+mn-lt"/>
                           <a:ea typeface="Arial"/>
                           <a:cs typeface="Arial"/>
                           <a:sym typeface="Arial"/>
@@ -17078,12 +17084,12 @@
                         <a:t> </a:t>
                       </a:r>
                       <a:r>
-                        <a:rPr lang="es-CO" sz="1400" b="0" i="0" u="none" strike="noStrike" cap="none" dirty="0">
+                        <a:rPr lang="es-CO" sz="1200" b="0" i="0" u="none" strike="noStrike" cap="none" dirty="0">
                           <a:solidFill>
                             <a:srgbClr val="000000"/>
                           </a:solidFill>
                           <a:effectLst/>
-                          <a:latin typeface="Arial"/>
+                          <a:latin typeface="+mn-lt"/>
                           <a:ea typeface="Arial"/>
                           <a:cs typeface="Arial"/>
                           <a:sym typeface="Arial"/>
@@ -17091,20 +17097,20 @@
                         <a:t>Ryzen 9 5900X 3.7 GHz 12-Core </a:t>
                       </a:r>
                       <a:r>
-                        <a:rPr lang="es-CO" sz="1400" b="0" i="0" u="none" strike="noStrike" cap="none" dirty="0" err="1">
+                        <a:rPr lang="es-CO" sz="1200" b="0" i="0" u="none" strike="noStrike" cap="none" dirty="0" err="1">
                           <a:solidFill>
                             <a:srgbClr val="000000"/>
                           </a:solidFill>
                           <a:effectLst/>
-                          <a:latin typeface="Arial"/>
+                          <a:latin typeface="+mn-lt"/>
                           <a:ea typeface="Arial"/>
                           <a:cs typeface="Arial"/>
                           <a:sym typeface="Arial"/>
                         </a:rPr>
                         <a:t>Processor</a:t>
                       </a:r>
-                      <a:endParaRPr b="0" dirty="0">
-                        <a:latin typeface="Open Sans"/>
+                      <a:endParaRPr sz="1200" b="0" dirty="0">
+                        <a:latin typeface="+mn-lt"/>
                         <a:ea typeface="Open Sans"/>
                         <a:cs typeface="Open Sans"/>
                         <a:sym typeface="Open Sans"/>
@@ -17139,16 +17145,16 @@
                         <a:buNone/>
                       </a:pPr>
                       <a:r>
-                        <a:rPr lang="es">
-                          <a:latin typeface="Open Sans"/>
+                        <a:rPr lang="es" sz="1200">
+                          <a:latin typeface="+mn-lt"/>
                           <a:ea typeface="Open Sans"/>
                           <a:cs typeface="Open Sans"/>
                           <a:sym typeface="Open Sans"/>
                         </a:rPr>
                         <a:t>Placa Madre</a:t>
                       </a:r>
-                      <a:endParaRPr>
-                        <a:latin typeface="Open Sans"/>
+                      <a:endParaRPr sz="1200">
+                        <a:latin typeface="+mn-lt"/>
                         <a:ea typeface="Open Sans"/>
                         <a:cs typeface="Open Sans"/>
                         <a:sym typeface="Open Sans"/>
@@ -17176,20 +17182,20 @@
                         <a:buNone/>
                       </a:pPr>
                       <a:r>
-                        <a:rPr lang="en-US" sz="1400" b="0" i="0" u="none" strike="noStrike" cap="none" dirty="0">
+                        <a:rPr lang="en-US" sz="1200" b="0" i="0" u="none" strike="noStrike" cap="none" dirty="0">
                           <a:solidFill>
                             <a:srgbClr val="000000"/>
                           </a:solidFill>
                           <a:effectLst/>
-                          <a:latin typeface="Arial"/>
+                          <a:latin typeface="+mn-lt"/>
                           <a:ea typeface="Arial"/>
                           <a:cs typeface="Arial"/>
                           <a:sym typeface="Arial"/>
                         </a:rPr>
                         <a:t>Asus ROG Crosshair VIII Dark Hero ATX AM4 Motherboard</a:t>
                       </a:r>
-                      <a:endParaRPr b="0" i="0" u="none" dirty="0">
-                        <a:latin typeface="Open Sans"/>
+                      <a:endParaRPr sz="1200" b="0" i="0" u="none" dirty="0">
+                        <a:latin typeface="+mn-lt"/>
                         <a:ea typeface="Open Sans"/>
                         <a:cs typeface="Open Sans"/>
                         <a:sym typeface="Open Sans"/>
@@ -17224,16 +17230,16 @@
                         <a:buNone/>
                       </a:pPr>
                       <a:r>
-                        <a:rPr lang="es">
-                          <a:latin typeface="Open Sans"/>
+                        <a:rPr lang="es" sz="1200">
+                          <a:latin typeface="+mn-lt"/>
                           <a:ea typeface="Open Sans"/>
                           <a:cs typeface="Open Sans"/>
                           <a:sym typeface="Open Sans"/>
                         </a:rPr>
                         <a:t>Memoria principal</a:t>
                       </a:r>
-                      <a:endParaRPr>
-                        <a:latin typeface="Open Sans"/>
+                      <a:endParaRPr sz="1200">
+                        <a:latin typeface="+mn-lt"/>
                         <a:ea typeface="Open Sans"/>
                         <a:cs typeface="Open Sans"/>
                         <a:sym typeface="Open Sans"/>
@@ -17253,58 +17259,58 @@
                     <a:p>
                       <a:pPr fontAlgn="ctr"/>
                       <a:r>
-                        <a:rPr lang="es-CO" b="0" u="none" strike="noStrike" dirty="0" err="1">
+                        <a:rPr lang="es-CO" sz="1200" b="0" u="none" strike="noStrike" dirty="0" err="1">
                           <a:solidFill>
                             <a:srgbClr val="191B2B"/>
                           </a:solidFill>
                           <a:effectLst/>
-                          <a:latin typeface="inherit"/>
+                          <a:latin typeface="+mn-lt"/>
                         </a:rPr>
                         <a:t>G.Skill</a:t>
                       </a:r>
                       <a:r>
-                        <a:rPr lang="es-CO" b="0" u="none" strike="noStrike" dirty="0">
+                        <a:rPr lang="es-CO" sz="1200" b="0" u="none" strike="noStrike" dirty="0">
                           <a:solidFill>
                             <a:srgbClr val="191B2B"/>
                           </a:solidFill>
                           <a:effectLst/>
-                          <a:latin typeface="inherit"/>
+                          <a:latin typeface="+mn-lt"/>
                         </a:rPr>
                         <a:t> </a:t>
                       </a:r>
                       <a:r>
-                        <a:rPr lang="es-CO" b="0" u="none" strike="noStrike" dirty="0" err="1">
+                        <a:rPr lang="es-CO" sz="1200" b="0" u="none" strike="noStrike" dirty="0" err="1">
                           <a:solidFill>
                             <a:srgbClr val="191B2B"/>
                           </a:solidFill>
                           <a:effectLst/>
-                          <a:latin typeface="inherit"/>
+                          <a:latin typeface="+mn-lt"/>
                         </a:rPr>
                         <a:t>Ripjaws</a:t>
                       </a:r>
                       <a:r>
-                        <a:rPr lang="es-CO" b="0" u="none" strike="noStrike" dirty="0">
+                        <a:rPr lang="es-CO" sz="1200" b="0" u="none" strike="noStrike" dirty="0">
                           <a:solidFill>
                             <a:srgbClr val="191B2B"/>
                           </a:solidFill>
                           <a:effectLst/>
-                          <a:latin typeface="inherit"/>
+                          <a:latin typeface="+mn-lt"/>
                         </a:rPr>
                         <a:t> V 32 GB (2 x 16 GB) DDR4-3600 CL16 </a:t>
                       </a:r>
                       <a:r>
-                        <a:rPr lang="es-CO" b="0" u="none" strike="noStrike" dirty="0" err="1">
+                        <a:rPr lang="es-CO" sz="1200" b="0" u="none" strike="noStrike" dirty="0" err="1">
                           <a:solidFill>
                             <a:srgbClr val="191B2B"/>
                           </a:solidFill>
                           <a:effectLst/>
-                          <a:latin typeface="inherit"/>
+                          <a:latin typeface="+mn-lt"/>
                         </a:rPr>
                         <a:t>Memory</a:t>
                       </a:r>
-                      <a:endParaRPr lang="es-CO" b="0" dirty="0">
+                      <a:endParaRPr lang="es-CO" sz="1200" b="0" dirty="0">
                         <a:effectLst/>
-                        <a:latin typeface="inherit"/>
+                        <a:latin typeface="+mn-lt"/>
                       </a:endParaRPr>
                     </a:p>
                   </a:txBody>
@@ -17336,16 +17342,16 @@
                         <a:buNone/>
                       </a:pPr>
                       <a:r>
-                        <a:rPr lang="es">
-                          <a:latin typeface="Open Sans"/>
+                        <a:rPr lang="es" sz="1200">
+                          <a:latin typeface="+mn-lt"/>
                           <a:ea typeface="Open Sans"/>
                           <a:cs typeface="Open Sans"/>
                           <a:sym typeface="Open Sans"/>
                         </a:rPr>
                         <a:t>Memoria secundaria</a:t>
                       </a:r>
-                      <a:endParaRPr>
-                        <a:latin typeface="Open Sans"/>
+                      <a:endParaRPr sz="1200">
+                        <a:latin typeface="+mn-lt"/>
                         <a:ea typeface="Open Sans"/>
                         <a:cs typeface="Open Sans"/>
                         <a:sym typeface="Open Sans"/>
@@ -17365,18 +17371,18 @@
                     <a:p>
                       <a:pPr fontAlgn="ctr"/>
                       <a:r>
-                        <a:rPr lang="en-US" b="0" u="none" strike="noStrike" dirty="0">
+                        <a:rPr lang="en-US" sz="1200" b="0" u="none" strike="noStrike" dirty="0">
                           <a:solidFill>
                             <a:srgbClr val="191B2B"/>
                           </a:solidFill>
                           <a:effectLst/>
-                          <a:latin typeface="inherit"/>
+                          <a:latin typeface="+mn-lt"/>
                         </a:rPr>
                         <a:t>Samsung 980 Pro 2 TB M.2-2280 NVME Solid State Drive</a:t>
                       </a:r>
-                      <a:endParaRPr lang="en-US" b="0" dirty="0">
+                      <a:endParaRPr lang="en-US" sz="1200" b="0" dirty="0">
                         <a:effectLst/>
-                        <a:latin typeface="inherit"/>
+                        <a:latin typeface="+mn-lt"/>
                       </a:endParaRPr>
                     </a:p>
                   </a:txBody>
@@ -17408,16 +17414,16 @@
                         <a:buNone/>
                       </a:pPr>
                       <a:r>
-                        <a:rPr lang="es">
-                          <a:latin typeface="Open Sans"/>
+                        <a:rPr lang="es" sz="1200">
+                          <a:latin typeface="+mn-lt"/>
                           <a:ea typeface="Open Sans"/>
                           <a:cs typeface="Open Sans"/>
                           <a:sym typeface="Open Sans"/>
                         </a:rPr>
                         <a:t>GPU</a:t>
                       </a:r>
-                      <a:endParaRPr>
-                        <a:latin typeface="Open Sans"/>
+                      <a:endParaRPr sz="1200">
+                        <a:latin typeface="+mn-lt"/>
                         <a:ea typeface="Open Sans"/>
                         <a:cs typeface="Open Sans"/>
                         <a:sym typeface="Open Sans"/>
@@ -17445,12 +17451,12 @@
                         <a:buNone/>
                       </a:pPr>
                       <a:r>
-                        <a:rPr lang="es-CO" sz="1400" b="0" i="0" u="none" strike="noStrike" cap="none" dirty="0">
+                        <a:rPr lang="es-CO" sz="1200" b="0" i="0" u="none" strike="noStrike" cap="none" dirty="0">
                           <a:solidFill>
                             <a:srgbClr val="000000"/>
                           </a:solidFill>
                           <a:effectLst/>
-                          <a:latin typeface="Arial"/>
+                          <a:latin typeface="+mn-lt"/>
                           <a:ea typeface="Arial"/>
                           <a:cs typeface="Arial"/>
                           <a:sym typeface="Arial"/>
@@ -17458,20 +17464,20 @@
                         <a:t>EVGA GeForce GTX 1650 G6 4 GB SC ULTRA GAMING Video </a:t>
                       </a:r>
                       <a:r>
-                        <a:rPr lang="es-CO" sz="1400" b="0" i="0" u="none" strike="noStrike" cap="none" dirty="0" err="1">
+                        <a:rPr lang="es-CO" sz="1200" b="0" i="0" u="none" strike="noStrike" cap="none" dirty="0" err="1">
                           <a:solidFill>
                             <a:srgbClr val="000000"/>
                           </a:solidFill>
                           <a:effectLst/>
-                          <a:latin typeface="Arial"/>
+                          <a:latin typeface="+mn-lt"/>
                           <a:ea typeface="Arial"/>
                           <a:cs typeface="Arial"/>
                           <a:sym typeface="Arial"/>
                         </a:rPr>
                         <a:t>Card</a:t>
                       </a:r>
-                      <a:endParaRPr b="0" u="none" dirty="0">
-                        <a:latin typeface="Open Sans"/>
+                      <a:endParaRPr sz="1200" b="0" u="none" dirty="0">
+                        <a:latin typeface="+mn-lt"/>
                         <a:ea typeface="Open Sans"/>
                         <a:cs typeface="Open Sans"/>
                         <a:sym typeface="Open Sans"/>
@@ -17506,16 +17512,16 @@
                         <a:buNone/>
                       </a:pPr>
                       <a:r>
-                        <a:rPr lang="es-CO" dirty="0" err="1">
-                          <a:latin typeface="Open Sans"/>
+                        <a:rPr lang="es-CO" sz="1200" dirty="0" err="1">
+                          <a:latin typeface="+mn-lt"/>
                           <a:ea typeface="Open Sans"/>
                           <a:cs typeface="Open Sans"/>
                           <a:sym typeface="Open Sans"/>
                         </a:rPr>
                         <a:t>Cooler</a:t>
                       </a:r>
-                      <a:endParaRPr dirty="0">
-                        <a:latin typeface="Open Sans"/>
+                      <a:endParaRPr sz="1200" dirty="0">
+                        <a:latin typeface="+mn-lt"/>
                         <a:ea typeface="Open Sans"/>
                         <a:cs typeface="Open Sans"/>
                         <a:sym typeface="Open Sans"/>
@@ -17543,12 +17549,12 @@
                         <a:buNone/>
                       </a:pPr>
                       <a:r>
-                        <a:rPr lang="es-CO" sz="1400" b="0" i="0" u="none" strike="noStrike" cap="none" dirty="0" err="1">
+                        <a:rPr lang="es-CO" sz="1200" b="0" i="0" u="none" strike="noStrike" cap="none" dirty="0" err="1">
                           <a:solidFill>
                             <a:srgbClr val="000000"/>
                           </a:solidFill>
                           <a:effectLst/>
-                          <a:latin typeface="Arial"/>
+                          <a:latin typeface="+mn-lt"/>
                           <a:ea typeface="Arial"/>
                           <a:cs typeface="Arial"/>
                           <a:sym typeface="Arial"/>
@@ -17556,12 +17562,12 @@
                         <a:t>Cooler</a:t>
                       </a:r>
                       <a:r>
-                        <a:rPr lang="es-CO" sz="1400" b="0" i="0" u="none" strike="noStrike" cap="none" dirty="0">
+                        <a:rPr lang="es-CO" sz="1200" b="0" i="0" u="none" strike="noStrike" cap="none" dirty="0">
                           <a:solidFill>
                             <a:srgbClr val="000000"/>
                           </a:solidFill>
                           <a:effectLst/>
-                          <a:latin typeface="Arial"/>
+                          <a:latin typeface="+mn-lt"/>
                           <a:ea typeface="Arial"/>
                           <a:cs typeface="Arial"/>
                           <a:sym typeface="Arial"/>
@@ -17569,12 +17575,12 @@
                         <a:t> Master </a:t>
                       </a:r>
                       <a:r>
-                        <a:rPr lang="es-CO" sz="1400" b="0" i="0" u="none" strike="noStrike" cap="none" dirty="0" err="1">
+                        <a:rPr lang="es-CO" sz="1200" b="0" i="0" u="none" strike="noStrike" cap="none" dirty="0" err="1">
                           <a:solidFill>
                             <a:srgbClr val="000000"/>
                           </a:solidFill>
                           <a:effectLst/>
-                          <a:latin typeface="Arial"/>
+                          <a:latin typeface="+mn-lt"/>
                           <a:ea typeface="Arial"/>
                           <a:cs typeface="Arial"/>
                           <a:sym typeface="Arial"/>
@@ -17582,12 +17588,12 @@
                         <a:t>Hyper</a:t>
                       </a:r>
                       <a:r>
-                        <a:rPr lang="es-CO" sz="1400" b="0" i="0" u="none" strike="noStrike" cap="none" dirty="0">
+                        <a:rPr lang="es-CO" sz="1200" b="0" i="0" u="none" strike="noStrike" cap="none" dirty="0">
                           <a:solidFill>
                             <a:srgbClr val="000000"/>
                           </a:solidFill>
                           <a:effectLst/>
-                          <a:latin typeface="Arial"/>
+                          <a:latin typeface="+mn-lt"/>
                           <a:ea typeface="Arial"/>
                           <a:cs typeface="Arial"/>
                           <a:sym typeface="Arial"/>
@@ -17595,12 +17601,12 @@
                         <a:t> 212 EVO 82.9 CFM </a:t>
                       </a:r>
                       <a:r>
-                        <a:rPr lang="es-CO" sz="1400" b="0" i="0" u="none" strike="noStrike" cap="none" dirty="0" err="1">
+                        <a:rPr lang="es-CO" sz="1200" b="0" i="0" u="none" strike="noStrike" cap="none" dirty="0" err="1">
                           <a:solidFill>
                             <a:srgbClr val="000000"/>
                           </a:solidFill>
                           <a:effectLst/>
-                          <a:latin typeface="Arial"/>
+                          <a:latin typeface="+mn-lt"/>
                           <a:ea typeface="Arial"/>
                           <a:cs typeface="Arial"/>
                           <a:sym typeface="Arial"/>
@@ -17608,12 +17614,12 @@
                         <a:t>Sleeve</a:t>
                       </a:r>
                       <a:r>
-                        <a:rPr lang="es-CO" sz="1400" b="0" i="0" u="none" strike="noStrike" cap="none" dirty="0">
+                        <a:rPr lang="es-CO" sz="1200" b="0" i="0" u="none" strike="noStrike" cap="none" dirty="0">
                           <a:solidFill>
                             <a:srgbClr val="000000"/>
                           </a:solidFill>
                           <a:effectLst/>
-                          <a:latin typeface="Arial"/>
+                          <a:latin typeface="+mn-lt"/>
                           <a:ea typeface="Arial"/>
                           <a:cs typeface="Arial"/>
                           <a:sym typeface="Arial"/>
@@ -17621,12 +17627,12 @@
                         <a:t> </a:t>
                       </a:r>
                       <a:r>
-                        <a:rPr lang="es-CO" sz="1400" b="0" i="0" u="none" strike="noStrike" cap="none" dirty="0" err="1">
+                        <a:rPr lang="es-CO" sz="1200" b="0" i="0" u="none" strike="noStrike" cap="none" dirty="0" err="1">
                           <a:solidFill>
                             <a:srgbClr val="000000"/>
                           </a:solidFill>
                           <a:effectLst/>
-                          <a:latin typeface="Arial"/>
+                          <a:latin typeface="+mn-lt"/>
                           <a:ea typeface="Arial"/>
                           <a:cs typeface="Arial"/>
                           <a:sym typeface="Arial"/>
@@ -17634,12 +17640,12 @@
                         <a:t>Bearing</a:t>
                       </a:r>
                       <a:r>
-                        <a:rPr lang="es-CO" sz="1400" b="0" i="0" u="none" strike="noStrike" cap="none" dirty="0">
+                        <a:rPr lang="es-CO" sz="1200" b="0" i="0" u="none" strike="noStrike" cap="none" dirty="0">
                           <a:solidFill>
                             <a:srgbClr val="000000"/>
                           </a:solidFill>
                           <a:effectLst/>
-                          <a:latin typeface="Arial"/>
+                          <a:latin typeface="+mn-lt"/>
                           <a:ea typeface="Arial"/>
                           <a:cs typeface="Arial"/>
                           <a:sym typeface="Arial"/>
@@ -17647,20 +17653,20 @@
                         <a:t> CPU </a:t>
                       </a:r>
                       <a:r>
-                        <a:rPr lang="es-CO" sz="1400" b="0" i="0" u="none" strike="noStrike" cap="none" dirty="0" err="1">
+                        <a:rPr lang="es-CO" sz="1200" b="0" i="0" u="none" strike="noStrike" cap="none" dirty="0" err="1">
                           <a:solidFill>
                             <a:srgbClr val="000000"/>
                           </a:solidFill>
                           <a:effectLst/>
-                          <a:latin typeface="Arial"/>
+                          <a:latin typeface="+mn-lt"/>
                           <a:ea typeface="Arial"/>
                           <a:cs typeface="Arial"/>
                           <a:sym typeface="Arial"/>
                         </a:rPr>
                         <a:t>Cooler</a:t>
                       </a:r>
-                      <a:endParaRPr b="0" u="none" dirty="0">
-                        <a:latin typeface="Open Sans"/>
+                      <a:endParaRPr sz="1200" b="0" u="none" dirty="0">
+                        <a:latin typeface="+mn-lt"/>
                         <a:ea typeface="Open Sans"/>
                         <a:cs typeface="Open Sans"/>
                         <a:sym typeface="Open Sans"/>
@@ -19075,7 +19081,7 @@
               <a:buNone/>
             </a:pPr>
             <a:r>
-              <a:rPr lang="es" sz="1600">
+              <a:rPr lang="es" sz="1600" dirty="0">
                 <a:solidFill>
                   <a:srgbClr val="434343"/>
                 </a:solidFill>
@@ -19086,7 +19092,7 @@
               </a:rPr>
               <a:t>Para el armado vamos a tener un cuadro de especificaciones donde tendremos separado.</a:t>
             </a:r>
-            <a:endParaRPr sz="1600">
+            <a:endParaRPr sz="1600" dirty="0">
               <a:solidFill>
                 <a:srgbClr val="434343"/>
               </a:solidFill>
@@ -19109,7 +19115,7 @@
               </a:spcAft>
               <a:buNone/>
             </a:pPr>
-            <a:endParaRPr sz="1600">
+            <a:endParaRPr sz="1600" dirty="0">
               <a:solidFill>
                 <a:srgbClr val="434343"/>
               </a:solidFill>
@@ -19138,7 +19144,7 @@
               <a:buChar char="●"/>
             </a:pPr>
             <a:r>
-              <a:rPr lang="es" sz="1600">
+              <a:rPr lang="es" sz="1600" dirty="0">
                 <a:solidFill>
                   <a:srgbClr val="434343"/>
                 </a:solidFill>
@@ -19149,7 +19155,7 @@
               </a:rPr>
               <a:t>Procesador</a:t>
             </a:r>
-            <a:endParaRPr sz="1600">
+            <a:endParaRPr sz="1600" dirty="0">
               <a:solidFill>
                 <a:srgbClr val="434343"/>
               </a:solidFill>
@@ -19178,7 +19184,7 @@
               <a:buChar char="●"/>
             </a:pPr>
             <a:r>
-              <a:rPr lang="es" sz="1600">
+              <a:rPr lang="es" sz="1600" dirty="0">
                 <a:solidFill>
                   <a:srgbClr val="434343"/>
                 </a:solidFill>
@@ -19189,7 +19195,7 @@
               </a:rPr>
               <a:t>Placa madre</a:t>
             </a:r>
-            <a:endParaRPr sz="1600">
+            <a:endParaRPr sz="1600" dirty="0">
               <a:solidFill>
                 <a:srgbClr val="434343"/>
               </a:solidFill>
@@ -19218,7 +19224,7 @@
               <a:buChar char="●"/>
             </a:pPr>
             <a:r>
-              <a:rPr lang="es" sz="1600">
+              <a:rPr lang="es" sz="1600" dirty="0">
                 <a:solidFill>
                   <a:srgbClr val="434343"/>
                 </a:solidFill>
@@ -19229,7 +19235,7 @@
               </a:rPr>
               <a:t>Memoria primaria</a:t>
             </a:r>
-            <a:endParaRPr sz="1600">
+            <a:endParaRPr sz="1600" dirty="0">
               <a:solidFill>
                 <a:srgbClr val="434343"/>
               </a:solidFill>
@@ -19258,7 +19264,7 @@
               <a:buChar char="●"/>
             </a:pPr>
             <a:r>
-              <a:rPr lang="es" sz="1600">
+              <a:rPr lang="es" sz="1600" dirty="0">
                 <a:solidFill>
                   <a:srgbClr val="434343"/>
                 </a:solidFill>
@@ -19269,7 +19275,7 @@
               </a:rPr>
               <a:t>Memoria secundaria</a:t>
             </a:r>
-            <a:endParaRPr sz="1600">
+            <a:endParaRPr sz="1600" dirty="0">
               <a:solidFill>
                 <a:srgbClr val="434343"/>
               </a:solidFill>
@@ -19298,7 +19304,7 @@
               <a:buChar char="●"/>
             </a:pPr>
             <a:r>
-              <a:rPr lang="es" sz="1600">
+              <a:rPr lang="es" sz="1600" dirty="0">
                 <a:solidFill>
                   <a:srgbClr val="434343"/>
                 </a:solidFill>
@@ -19309,7 +19315,7 @@
               </a:rPr>
               <a:t>GPU (si es que fuera necesario)</a:t>
             </a:r>
-            <a:endParaRPr sz="1600">
+            <a:endParaRPr sz="1600" dirty="0">
               <a:solidFill>
                 <a:srgbClr val="434343"/>
               </a:solidFill>
@@ -19332,7 +19338,7 @@
               </a:spcAft>
               <a:buNone/>
             </a:pPr>
-            <a:endParaRPr b="1">
+            <a:endParaRPr b="1" dirty="0">
               <a:solidFill>
                 <a:srgbClr val="434343"/>
               </a:solidFill>
